--- a/Java Урок 15 ООП. Object.pptx
+++ b/Java Урок 15 ООП. Object.pptx
@@ -207,7 +207,7 @@
           <a:p>
             <a:fld id="{51ED7E89-71D3-4690-A337-393BB880BFFA}" type="datetimeFigureOut">
               <a:rPr lang="uk-UA" smtClean="0"/>
-              <a:t>25.12.2023</a:t>
+              <a:t>14.02.2024</a:t>
             </a:fld>
             <a:endParaRPr lang="uk-UA"/>
           </a:p>
@@ -926,7 +926,7 @@
           <a:p>
             <a:fld id="{33B44BD0-D7E7-4896-B097-66BF5B47B1C7}" type="datetimeFigureOut">
               <a:rPr lang="uk-UA" smtClean="0"/>
-              <a:t>25.12.2023</a:t>
+              <a:t>14.02.2024</a:t>
             </a:fld>
             <a:endParaRPr lang="uk-UA"/>
           </a:p>
@@ -1126,7 +1126,7 @@
           <a:p>
             <a:fld id="{33B44BD0-D7E7-4896-B097-66BF5B47B1C7}" type="datetimeFigureOut">
               <a:rPr lang="uk-UA" smtClean="0"/>
-              <a:t>25.12.2023</a:t>
+              <a:t>14.02.2024</a:t>
             </a:fld>
             <a:endParaRPr lang="uk-UA"/>
           </a:p>
@@ -1336,7 +1336,7 @@
           <a:p>
             <a:fld id="{33B44BD0-D7E7-4896-B097-66BF5B47B1C7}" type="datetimeFigureOut">
               <a:rPr lang="uk-UA" smtClean="0"/>
-              <a:t>25.12.2023</a:t>
+              <a:t>14.02.2024</a:t>
             </a:fld>
             <a:endParaRPr lang="uk-UA"/>
           </a:p>
@@ -1829,7 +1829,7 @@
           <a:p>
             <a:fld id="{33B44BD0-D7E7-4896-B097-66BF5B47B1C7}" type="datetimeFigureOut">
               <a:rPr lang="uk-UA" smtClean="0"/>
-              <a:t>25.12.2023</a:t>
+              <a:t>14.02.2024</a:t>
             </a:fld>
             <a:endParaRPr lang="uk-UA"/>
           </a:p>
@@ -2105,7 +2105,7 @@
           <a:p>
             <a:fld id="{33B44BD0-D7E7-4896-B097-66BF5B47B1C7}" type="datetimeFigureOut">
               <a:rPr lang="uk-UA" smtClean="0"/>
-              <a:t>25.12.2023</a:t>
+              <a:t>14.02.2024</a:t>
             </a:fld>
             <a:endParaRPr lang="uk-UA"/>
           </a:p>
@@ -2373,7 +2373,7 @@
           <a:p>
             <a:fld id="{33B44BD0-D7E7-4896-B097-66BF5B47B1C7}" type="datetimeFigureOut">
               <a:rPr lang="uk-UA" smtClean="0"/>
-              <a:t>25.12.2023</a:t>
+              <a:t>14.02.2024</a:t>
             </a:fld>
             <a:endParaRPr lang="uk-UA"/>
           </a:p>
@@ -2788,7 +2788,7 @@
           <a:p>
             <a:fld id="{33B44BD0-D7E7-4896-B097-66BF5B47B1C7}" type="datetimeFigureOut">
               <a:rPr lang="uk-UA" smtClean="0"/>
-              <a:t>25.12.2023</a:t>
+              <a:t>14.02.2024</a:t>
             </a:fld>
             <a:endParaRPr lang="uk-UA"/>
           </a:p>
@@ -2930,7 +2930,7 @@
           <a:p>
             <a:fld id="{33B44BD0-D7E7-4896-B097-66BF5B47B1C7}" type="datetimeFigureOut">
               <a:rPr lang="uk-UA" smtClean="0"/>
-              <a:t>25.12.2023</a:t>
+              <a:t>14.02.2024</a:t>
             </a:fld>
             <a:endParaRPr lang="uk-UA"/>
           </a:p>
@@ -3043,7 +3043,7 @@
           <a:p>
             <a:fld id="{33B44BD0-D7E7-4896-B097-66BF5B47B1C7}" type="datetimeFigureOut">
               <a:rPr lang="uk-UA" smtClean="0"/>
-              <a:t>25.12.2023</a:t>
+              <a:t>14.02.2024</a:t>
             </a:fld>
             <a:endParaRPr lang="uk-UA"/>
           </a:p>
@@ -3356,7 +3356,7 @@
           <a:p>
             <a:fld id="{33B44BD0-D7E7-4896-B097-66BF5B47B1C7}" type="datetimeFigureOut">
               <a:rPr lang="uk-UA" smtClean="0"/>
-              <a:t>25.12.2023</a:t>
+              <a:t>14.02.2024</a:t>
             </a:fld>
             <a:endParaRPr lang="uk-UA"/>
           </a:p>
@@ -3645,7 +3645,7 @@
           <a:p>
             <a:fld id="{33B44BD0-D7E7-4896-B097-66BF5B47B1C7}" type="datetimeFigureOut">
               <a:rPr lang="uk-UA" smtClean="0"/>
-              <a:t>25.12.2023</a:t>
+              <a:t>14.02.2024</a:t>
             </a:fld>
             <a:endParaRPr lang="uk-UA"/>
           </a:p>
@@ -3888,7 +3888,7 @@
           <a:p>
             <a:fld id="{33B44BD0-D7E7-4896-B097-66BF5B47B1C7}" type="datetimeFigureOut">
               <a:rPr lang="uk-UA" smtClean="0"/>
-              <a:t>25.12.2023</a:t>
+              <a:t>14.02.2024</a:t>
             </a:fld>
             <a:endParaRPr lang="uk-UA"/>
           </a:p>
@@ -5050,7 +5050,7 @@
           <a:graphicData uri="http://schemas.openxmlformats.org/presentationml/2006/ole">
             <mc:AlternateContent xmlns:mc="http://schemas.openxmlformats.org/markup-compatibility/2006">
               <mc:Choice xmlns:v="urn:schemas-microsoft-com:vml" Requires="v">
-                <p:oleObj spid="_x0000_s6168" name="Visio" r:id="rId4" imgW="5813177" imgH="2741175" progId="Visio.Drawing.11">
+                <p:oleObj spid="_x0000_s6172" name="Visio" r:id="rId4" imgW="5813177" imgH="2741175" progId="Visio.Drawing.11">
                   <p:embed/>
                 </p:oleObj>
               </mc:Choice>
@@ -5133,7 +5133,7 @@
           <a:graphicData uri="http://schemas.openxmlformats.org/presentationml/2006/ole">
             <mc:AlternateContent xmlns:mc="http://schemas.openxmlformats.org/markup-compatibility/2006">
               <mc:Choice xmlns:v="urn:schemas-microsoft-com:vml" Requires="v">
-                <p:oleObj spid="_x0000_s6169" name="Visio" r:id="rId6" imgW="5676587" imgH="847591" progId="Visio.Drawing.11">
+                <p:oleObj spid="_x0000_s6173" name="Visio" r:id="rId6" imgW="5676587" imgH="847591" progId="Visio.Drawing.11">
                   <p:embed/>
                 </p:oleObj>
               </mc:Choice>
@@ -6017,7 +6017,7 @@
           <a:graphicData uri="http://schemas.openxmlformats.org/presentationml/2006/ole">
             <mc:AlternateContent xmlns:mc="http://schemas.openxmlformats.org/markup-compatibility/2006">
               <mc:Choice xmlns:v="urn:schemas-microsoft-com:vml" Requires="v">
-                <p:oleObj spid="_x0000_s1048" name="Visio" r:id="rId3" imgW="4113359" imgH="2067691" progId="Visio.Drawing.11">
+                <p:oleObj spid="_x0000_s1052" name="Visio" r:id="rId3" imgW="4113359" imgH="2067691" progId="Visio.Drawing.11">
                   <p:embed/>
                 </p:oleObj>
               </mc:Choice>
@@ -6100,7 +6100,7 @@
           <a:graphicData uri="http://schemas.openxmlformats.org/presentationml/2006/ole">
             <mc:AlternateContent xmlns:mc="http://schemas.openxmlformats.org/markup-compatibility/2006">
               <mc:Choice xmlns:v="urn:schemas-microsoft-com:vml" Requires="v">
-                <p:oleObj spid="_x0000_s1049" name="Visio" r:id="rId5" imgW="4563080" imgH="1895744" progId="Visio.Drawing.11">
+                <p:oleObj spid="_x0000_s1053" name="Visio" r:id="rId5" imgW="4563080" imgH="1895744" progId="Visio.Drawing.11">
                   <p:embed/>
                 </p:oleObj>
               </mc:Choice>
@@ -6604,14 +6604,14 @@
           </p:nvPr>
         </p:nvGraphicFramePr>
         <p:xfrm>
-          <a:off x="2149311" y="1649815"/>
-          <a:ext cx="6781964" cy="4450949"/>
+          <a:off x="2149475" y="1649413"/>
+          <a:ext cx="6781800" cy="4451350"/>
         </p:xfrm>
         <a:graphic>
           <a:graphicData uri="http://schemas.openxmlformats.org/presentationml/2006/ole">
             <mc:AlternateContent xmlns:mc="http://schemas.openxmlformats.org/markup-compatibility/2006">
               <mc:Choice xmlns:v="urn:schemas-microsoft-com:vml" Requires="v">
-                <p:oleObj spid="_x0000_s2061" name="Visio" r:id="rId3" imgW="3915492" imgH="2568418" progId="Visio.Drawing.11">
+                <p:oleObj spid="_x0000_s2063" name="Visio" r:id="rId3" imgW="3915492" imgH="2568418" progId="Visio.Drawing.11">
                   <p:embed/>
                 </p:oleObj>
               </mc:Choice>
@@ -6641,8 +6641,8 @@
                     </p:blipFill>
                     <p:spPr bwMode="auto">
                       <a:xfrm>
-                        <a:off x="2149311" y="1649815"/>
-                        <a:ext cx="6781964" cy="4450949"/>
+                        <a:off x="2149475" y="1649413"/>
+                        <a:ext cx="6781800" cy="4451350"/>
                       </a:xfrm>
                       <a:prstGeom prst="rect">
                         <a:avLst/>
@@ -6968,7 +6968,7 @@
           <a:graphicData uri="http://schemas.openxmlformats.org/presentationml/2006/ole">
             <mc:AlternateContent xmlns:mc="http://schemas.openxmlformats.org/markup-compatibility/2006">
               <mc:Choice xmlns:v="urn:schemas-microsoft-com:vml" Requires="v">
-                <p:oleObj spid="_x0000_s3085" name="Visio" r:id="rId3" imgW="5172877" imgH="2906375" progId="Visio.Drawing.11">
+                <p:oleObj spid="_x0000_s3087" name="Visio" r:id="rId3" imgW="5172877" imgH="2906375" progId="Visio.Drawing.11">
                   <p:embed/>
                 </p:oleObj>
               </mc:Choice>
@@ -7344,7 +7344,7 @@
           <a:graphicData uri="http://schemas.openxmlformats.org/presentationml/2006/ole">
             <mc:AlternateContent xmlns:mc="http://schemas.openxmlformats.org/markup-compatibility/2006">
               <mc:Choice xmlns:v="urn:schemas-microsoft-com:vml" Requires="v">
-                <p:oleObj spid="_x0000_s4109" name="Visio" r:id="rId3" imgW="4124408" imgH="2828826" progId="Visio.Drawing.11">
+                <p:oleObj spid="_x0000_s4111" name="Visio" r:id="rId3" imgW="4124408" imgH="2828826" progId="Visio.Drawing.11">
                   <p:embed/>
                 </p:oleObj>
               </mc:Choice>
@@ -7760,7 +7760,7 @@
           <a:graphicData uri="http://schemas.openxmlformats.org/presentationml/2006/ole">
             <mc:AlternateContent xmlns:mc="http://schemas.openxmlformats.org/markup-compatibility/2006">
               <mc:Choice xmlns:v="urn:schemas-microsoft-com:vml" Requires="v">
-                <p:oleObj spid="_x0000_s5144" name="Visio" r:id="rId3" imgW="4714752" imgH="1323924" progId="Visio.Drawing.11">
+                <p:oleObj spid="_x0000_s5148" name="Visio" r:id="rId3" imgW="4714752" imgH="1323924" progId="Visio.Drawing.11">
                   <p:embed/>
                 </p:oleObj>
               </mc:Choice>
@@ -7837,7 +7837,7 @@
           <a:graphicData uri="http://schemas.openxmlformats.org/presentationml/2006/ole">
             <mc:AlternateContent xmlns:mc="http://schemas.openxmlformats.org/markup-compatibility/2006">
               <mc:Choice xmlns:v="urn:schemas-microsoft-com:vml" Requires="v">
-                <p:oleObj spid="_x0000_s5145" name="Visio" r:id="rId5" imgW="1971884" imgH="600016" progId="Visio.Drawing.11">
+                <p:oleObj spid="_x0000_s5149" name="Visio" r:id="rId5" imgW="1971884" imgH="600016" progId="Visio.Drawing.11">
                   <p:embed/>
                 </p:oleObj>
               </mc:Choice>

--- a/Java Урок 15 ООП. Object.pptx
+++ b/Java Урок 15 ООП. Object.pptx
@@ -207,7 +207,7 @@
           <a:p>
             <a:fld id="{51ED7E89-71D3-4690-A337-393BB880BFFA}" type="datetimeFigureOut">
               <a:rPr lang="uk-UA" smtClean="0"/>
-              <a:t>14.02.2024</a:t>
+              <a:t>15.03.2024</a:t>
             </a:fld>
             <a:endParaRPr lang="uk-UA"/>
           </a:p>
@@ -926,7 +926,7 @@
           <a:p>
             <a:fld id="{33B44BD0-D7E7-4896-B097-66BF5B47B1C7}" type="datetimeFigureOut">
               <a:rPr lang="uk-UA" smtClean="0"/>
-              <a:t>14.02.2024</a:t>
+              <a:t>15.03.2024</a:t>
             </a:fld>
             <a:endParaRPr lang="uk-UA"/>
           </a:p>
@@ -1126,7 +1126,7 @@
           <a:p>
             <a:fld id="{33B44BD0-D7E7-4896-B097-66BF5B47B1C7}" type="datetimeFigureOut">
               <a:rPr lang="uk-UA" smtClean="0"/>
-              <a:t>14.02.2024</a:t>
+              <a:t>15.03.2024</a:t>
             </a:fld>
             <a:endParaRPr lang="uk-UA"/>
           </a:p>
@@ -1336,7 +1336,7 @@
           <a:p>
             <a:fld id="{33B44BD0-D7E7-4896-B097-66BF5B47B1C7}" type="datetimeFigureOut">
               <a:rPr lang="uk-UA" smtClean="0"/>
-              <a:t>14.02.2024</a:t>
+              <a:t>15.03.2024</a:t>
             </a:fld>
             <a:endParaRPr lang="uk-UA"/>
           </a:p>
@@ -1829,7 +1829,7 @@
           <a:p>
             <a:fld id="{33B44BD0-D7E7-4896-B097-66BF5B47B1C7}" type="datetimeFigureOut">
               <a:rPr lang="uk-UA" smtClean="0"/>
-              <a:t>14.02.2024</a:t>
+              <a:t>15.03.2024</a:t>
             </a:fld>
             <a:endParaRPr lang="uk-UA"/>
           </a:p>
@@ -2105,7 +2105,7 @@
           <a:p>
             <a:fld id="{33B44BD0-D7E7-4896-B097-66BF5B47B1C7}" type="datetimeFigureOut">
               <a:rPr lang="uk-UA" smtClean="0"/>
-              <a:t>14.02.2024</a:t>
+              <a:t>15.03.2024</a:t>
             </a:fld>
             <a:endParaRPr lang="uk-UA"/>
           </a:p>
@@ -2373,7 +2373,7 @@
           <a:p>
             <a:fld id="{33B44BD0-D7E7-4896-B097-66BF5B47B1C7}" type="datetimeFigureOut">
               <a:rPr lang="uk-UA" smtClean="0"/>
-              <a:t>14.02.2024</a:t>
+              <a:t>15.03.2024</a:t>
             </a:fld>
             <a:endParaRPr lang="uk-UA"/>
           </a:p>
@@ -2788,7 +2788,7 @@
           <a:p>
             <a:fld id="{33B44BD0-D7E7-4896-B097-66BF5B47B1C7}" type="datetimeFigureOut">
               <a:rPr lang="uk-UA" smtClean="0"/>
-              <a:t>14.02.2024</a:t>
+              <a:t>15.03.2024</a:t>
             </a:fld>
             <a:endParaRPr lang="uk-UA"/>
           </a:p>
@@ -2930,7 +2930,7 @@
           <a:p>
             <a:fld id="{33B44BD0-D7E7-4896-B097-66BF5B47B1C7}" type="datetimeFigureOut">
               <a:rPr lang="uk-UA" smtClean="0"/>
-              <a:t>14.02.2024</a:t>
+              <a:t>15.03.2024</a:t>
             </a:fld>
             <a:endParaRPr lang="uk-UA"/>
           </a:p>
@@ -3043,7 +3043,7 @@
           <a:p>
             <a:fld id="{33B44BD0-D7E7-4896-B097-66BF5B47B1C7}" type="datetimeFigureOut">
               <a:rPr lang="uk-UA" smtClean="0"/>
-              <a:t>14.02.2024</a:t>
+              <a:t>15.03.2024</a:t>
             </a:fld>
             <a:endParaRPr lang="uk-UA"/>
           </a:p>
@@ -3356,7 +3356,7 @@
           <a:p>
             <a:fld id="{33B44BD0-D7E7-4896-B097-66BF5B47B1C7}" type="datetimeFigureOut">
               <a:rPr lang="uk-UA" smtClean="0"/>
-              <a:t>14.02.2024</a:t>
+              <a:t>15.03.2024</a:t>
             </a:fld>
             <a:endParaRPr lang="uk-UA"/>
           </a:p>
@@ -3645,7 +3645,7 @@
           <a:p>
             <a:fld id="{33B44BD0-D7E7-4896-B097-66BF5B47B1C7}" type="datetimeFigureOut">
               <a:rPr lang="uk-UA" smtClean="0"/>
-              <a:t>14.02.2024</a:t>
+              <a:t>15.03.2024</a:t>
             </a:fld>
             <a:endParaRPr lang="uk-UA"/>
           </a:p>
@@ -3888,7 +3888,7 @@
           <a:p>
             <a:fld id="{33B44BD0-D7E7-4896-B097-66BF5B47B1C7}" type="datetimeFigureOut">
               <a:rPr lang="uk-UA" smtClean="0"/>
-              <a:t>14.02.2024</a:t>
+              <a:t>15.03.2024</a:t>
             </a:fld>
             <a:endParaRPr lang="uk-UA"/>
           </a:p>
@@ -5050,12 +5050,12 @@
           <a:graphicData uri="http://schemas.openxmlformats.org/presentationml/2006/ole">
             <mc:AlternateContent xmlns:mc="http://schemas.openxmlformats.org/markup-compatibility/2006">
               <mc:Choice xmlns:v="urn:schemas-microsoft-com:vml" Requires="v">
-                <p:oleObj spid="_x0000_s6172" name="Visio" r:id="rId4" imgW="5813177" imgH="2741175" progId="Visio.Drawing.11">
+                <p:oleObj name="Visio" r:id="rId3" imgW="5813177" imgH="2741175" progId="Visio.Drawing.11">
                   <p:embed/>
                 </p:oleObj>
               </mc:Choice>
               <mc:Fallback>
-                <p:oleObj name="Visio" r:id="rId4" imgW="5813177" imgH="2741175" progId="Visio.Drawing.11">
+                <p:oleObj name="Visio" r:id="rId3" imgW="5813177" imgH="2741175" progId="Visio.Drawing.11">
                   <p:embed/>
                   <p:pic>
                     <p:nvPicPr>
@@ -5066,7 +5066,7 @@
                       <p:nvPr/>
                     </p:nvPicPr>
                     <p:blipFill>
-                      <a:blip r:embed="rId5">
+                      <a:blip r:embed="rId4">
                         <a:extLst>
                           <a:ext uri="{28A0092B-C50C-407E-A947-70E740481C1C}">
                             <a14:useLocalDpi xmlns:a14="http://schemas.microsoft.com/office/drawing/2010/main" val="0"/>
@@ -5133,12 +5133,12 @@
           <a:graphicData uri="http://schemas.openxmlformats.org/presentationml/2006/ole">
             <mc:AlternateContent xmlns:mc="http://schemas.openxmlformats.org/markup-compatibility/2006">
               <mc:Choice xmlns:v="urn:schemas-microsoft-com:vml" Requires="v">
-                <p:oleObj spid="_x0000_s6173" name="Visio" r:id="rId6" imgW="5676587" imgH="847591" progId="Visio.Drawing.11">
+                <p:oleObj name="Visio" r:id="rId5" imgW="5676587" imgH="847591" progId="Visio.Drawing.11">
                   <p:embed/>
                 </p:oleObj>
               </mc:Choice>
               <mc:Fallback>
-                <p:oleObj name="Visio" r:id="rId6" imgW="5676587" imgH="847591" progId="Visio.Drawing.11">
+                <p:oleObj name="Visio" r:id="rId5" imgW="5676587" imgH="847591" progId="Visio.Drawing.11">
                   <p:embed/>
                   <p:pic>
                     <p:nvPicPr>
@@ -5149,7 +5149,7 @@
                       <p:nvPr/>
                     </p:nvPicPr>
                     <p:blipFill>
-                      <a:blip r:embed="rId7">
+                      <a:blip r:embed="rId6">
                         <a:extLst>
                           <a:ext uri="{28A0092B-C50C-407E-A947-70E740481C1C}">
                             <a14:useLocalDpi xmlns:a14="http://schemas.microsoft.com/office/drawing/2010/main" val="0"/>
@@ -6017,12 +6017,12 @@
           <a:graphicData uri="http://schemas.openxmlformats.org/presentationml/2006/ole">
             <mc:AlternateContent xmlns:mc="http://schemas.openxmlformats.org/markup-compatibility/2006">
               <mc:Choice xmlns:v="urn:schemas-microsoft-com:vml" Requires="v">
-                <p:oleObj spid="_x0000_s1052" name="Visio" r:id="rId3" imgW="4113359" imgH="2067691" progId="Visio.Drawing.11">
+                <p:oleObj name="Visio" r:id="rId2" imgW="4113359" imgH="2067691" progId="Visio.Drawing.11">
                   <p:embed/>
                 </p:oleObj>
               </mc:Choice>
               <mc:Fallback>
-                <p:oleObj name="Visio" r:id="rId3" imgW="4113359" imgH="2067691" progId="Visio.Drawing.11">
+                <p:oleObj name="Visio" r:id="rId2" imgW="4113359" imgH="2067691" progId="Visio.Drawing.11">
                   <p:embed/>
                   <p:pic>
                     <p:nvPicPr>
@@ -6033,7 +6033,7 @@
                       <p:nvPr/>
                     </p:nvPicPr>
                     <p:blipFill>
-                      <a:blip r:embed="rId4">
+                      <a:blip r:embed="rId3">
                         <a:extLst>
                           <a:ext uri="{28A0092B-C50C-407E-A947-70E740481C1C}">
                             <a14:useLocalDpi xmlns:a14="http://schemas.microsoft.com/office/drawing/2010/main" val="0"/>
@@ -6100,12 +6100,12 @@
           <a:graphicData uri="http://schemas.openxmlformats.org/presentationml/2006/ole">
             <mc:AlternateContent xmlns:mc="http://schemas.openxmlformats.org/markup-compatibility/2006">
               <mc:Choice xmlns:v="urn:schemas-microsoft-com:vml" Requires="v">
-                <p:oleObj spid="_x0000_s1053" name="Visio" r:id="rId5" imgW="4563080" imgH="1895744" progId="Visio.Drawing.11">
+                <p:oleObj name="Visio" r:id="rId4" imgW="4563080" imgH="1895744" progId="Visio.Drawing.11">
                   <p:embed/>
                 </p:oleObj>
               </mc:Choice>
               <mc:Fallback>
-                <p:oleObj name="Visio" r:id="rId5" imgW="4563080" imgH="1895744" progId="Visio.Drawing.11">
+                <p:oleObj name="Visio" r:id="rId4" imgW="4563080" imgH="1895744" progId="Visio.Drawing.11">
                   <p:embed/>
                   <p:pic>
                     <p:nvPicPr>
@@ -6116,7 +6116,7 @@
                       <p:nvPr/>
                     </p:nvPicPr>
                     <p:blipFill>
-                      <a:blip r:embed="rId6">
+                      <a:blip r:embed="rId5">
                         <a:extLst>
                           <a:ext uri="{28A0092B-C50C-407E-A947-70E740481C1C}">
                             <a14:useLocalDpi xmlns:a14="http://schemas.microsoft.com/office/drawing/2010/main" val="0"/>
@@ -6611,12 +6611,12 @@
           <a:graphicData uri="http://schemas.openxmlformats.org/presentationml/2006/ole">
             <mc:AlternateContent xmlns:mc="http://schemas.openxmlformats.org/markup-compatibility/2006">
               <mc:Choice xmlns:v="urn:schemas-microsoft-com:vml" Requires="v">
-                <p:oleObj spid="_x0000_s2063" name="Visio" r:id="rId3" imgW="3915492" imgH="2568418" progId="Visio.Drawing.11">
+                <p:oleObj name="Visio" r:id="rId2" imgW="3915492" imgH="2568418" progId="Visio.Drawing.11">
                   <p:embed/>
                 </p:oleObj>
               </mc:Choice>
               <mc:Fallback>
-                <p:oleObj name="Visio" r:id="rId3" imgW="3915492" imgH="2568418" progId="Visio.Drawing.11">
+                <p:oleObj name="Visio" r:id="rId2" imgW="3915492" imgH="2568418" progId="Visio.Drawing.11">
                   <p:embed/>
                   <p:pic>
                     <p:nvPicPr>
@@ -6627,7 +6627,7 @@
                       <p:nvPr/>
                     </p:nvPicPr>
                     <p:blipFill>
-                      <a:blip r:embed="rId4">
+                      <a:blip r:embed="rId3">
                         <a:extLst>
                           <a:ext uri="{28A0092B-C50C-407E-A947-70E740481C1C}">
                             <a14:useLocalDpi xmlns:a14="http://schemas.microsoft.com/office/drawing/2010/main" val="0"/>
@@ -6968,12 +6968,12 @@
           <a:graphicData uri="http://schemas.openxmlformats.org/presentationml/2006/ole">
             <mc:AlternateContent xmlns:mc="http://schemas.openxmlformats.org/markup-compatibility/2006">
               <mc:Choice xmlns:v="urn:schemas-microsoft-com:vml" Requires="v">
-                <p:oleObj spid="_x0000_s3087" name="Visio" r:id="rId3" imgW="5172877" imgH="2906375" progId="Visio.Drawing.11">
+                <p:oleObj name="Visio" r:id="rId2" imgW="5172877" imgH="2906375" progId="Visio.Drawing.11">
                   <p:embed/>
                 </p:oleObj>
               </mc:Choice>
               <mc:Fallback>
-                <p:oleObj name="Visio" r:id="rId3" imgW="5172877" imgH="2906375" progId="Visio.Drawing.11">
+                <p:oleObj name="Visio" r:id="rId2" imgW="5172877" imgH="2906375" progId="Visio.Drawing.11">
                   <p:embed/>
                   <p:pic>
                     <p:nvPicPr>
@@ -6984,7 +6984,7 @@
                       <p:nvPr/>
                     </p:nvPicPr>
                     <p:blipFill>
-                      <a:blip r:embed="rId4">
+                      <a:blip r:embed="rId3">
                         <a:extLst>
                           <a:ext uri="{28A0092B-C50C-407E-A947-70E740481C1C}">
                             <a14:useLocalDpi xmlns:a14="http://schemas.microsoft.com/office/drawing/2010/main" val="0"/>
@@ -7344,12 +7344,12 @@
           <a:graphicData uri="http://schemas.openxmlformats.org/presentationml/2006/ole">
             <mc:AlternateContent xmlns:mc="http://schemas.openxmlformats.org/markup-compatibility/2006">
               <mc:Choice xmlns:v="urn:schemas-microsoft-com:vml" Requires="v">
-                <p:oleObj spid="_x0000_s4111" name="Visio" r:id="rId3" imgW="4124408" imgH="2828826" progId="Visio.Drawing.11">
+                <p:oleObj name="Visio" r:id="rId2" imgW="4124408" imgH="2828826" progId="Visio.Drawing.11">
                   <p:embed/>
                 </p:oleObj>
               </mc:Choice>
               <mc:Fallback>
-                <p:oleObj name="Visio" r:id="rId3" imgW="4124408" imgH="2828826" progId="Visio.Drawing.11">
+                <p:oleObj name="Visio" r:id="rId2" imgW="4124408" imgH="2828826" progId="Visio.Drawing.11">
                   <p:embed/>
                   <p:pic>
                     <p:nvPicPr>
@@ -7360,7 +7360,7 @@
                       <p:nvPr/>
                     </p:nvPicPr>
                     <p:blipFill>
-                      <a:blip r:embed="rId4"/>
+                      <a:blip r:embed="rId3"/>
                       <a:srcRect/>
                       <a:stretch>
                         <a:fillRect/>
@@ -7760,12 +7760,12 @@
           <a:graphicData uri="http://schemas.openxmlformats.org/presentationml/2006/ole">
             <mc:AlternateContent xmlns:mc="http://schemas.openxmlformats.org/markup-compatibility/2006">
               <mc:Choice xmlns:v="urn:schemas-microsoft-com:vml" Requires="v">
-                <p:oleObj spid="_x0000_s5148" name="Visio" r:id="rId3" imgW="4714752" imgH="1323924" progId="Visio.Drawing.11">
+                <p:oleObj name="Visio" r:id="rId2" imgW="4714752" imgH="1323924" progId="Visio.Drawing.11">
                   <p:embed/>
                 </p:oleObj>
               </mc:Choice>
               <mc:Fallback>
-                <p:oleObj name="Visio" r:id="rId3" imgW="4714752" imgH="1323924" progId="Visio.Drawing.11">
+                <p:oleObj name="Visio" r:id="rId2" imgW="4714752" imgH="1323924" progId="Visio.Drawing.11">
                   <p:embed/>
                   <p:pic>
                     <p:nvPicPr>
@@ -7776,7 +7776,7 @@
                       <p:nvPr/>
                     </p:nvPicPr>
                     <p:blipFill>
-                      <a:blip r:embed="rId4"/>
+                      <a:blip r:embed="rId3"/>
                       <a:srcRect/>
                       <a:stretch>
                         <a:fillRect/>
@@ -7837,12 +7837,12 @@
           <a:graphicData uri="http://schemas.openxmlformats.org/presentationml/2006/ole">
             <mc:AlternateContent xmlns:mc="http://schemas.openxmlformats.org/markup-compatibility/2006">
               <mc:Choice xmlns:v="urn:schemas-microsoft-com:vml" Requires="v">
-                <p:oleObj spid="_x0000_s5149" name="Visio" r:id="rId5" imgW="1971884" imgH="600016" progId="Visio.Drawing.11">
+                <p:oleObj name="Visio" r:id="rId4" imgW="1971884" imgH="600016" progId="Visio.Drawing.11">
                   <p:embed/>
                 </p:oleObj>
               </mc:Choice>
               <mc:Fallback>
-                <p:oleObj name="Visio" r:id="rId5" imgW="1971884" imgH="600016" progId="Visio.Drawing.11">
+                <p:oleObj name="Visio" r:id="rId4" imgW="1971884" imgH="600016" progId="Visio.Drawing.11">
                   <p:embed/>
                   <p:pic>
                     <p:nvPicPr>
@@ -7853,7 +7853,7 @@
                       <p:nvPr/>
                     </p:nvPicPr>
                     <p:blipFill>
-                      <a:blip r:embed="rId6"/>
+                      <a:blip r:embed="rId5"/>
                       <a:srcRect/>
                       <a:stretch>
                         <a:fillRect/>
